--- a/docs/diagrams.pptx
+++ b/docs/diagrams.pptx
@@ -5,13 +5,14 @@
     <p:sldMasterId id="2147483685" r:id="rId4"/>
   </p:sldMasterIdLst>
   <p:notesMasterIdLst>
-    <p:notesMasterId r:id="rId6"/>
+    <p:notesMasterId r:id="rId7"/>
   </p:notesMasterIdLst>
   <p:handoutMasterIdLst>
-    <p:handoutMasterId r:id="rId7"/>
+    <p:handoutMasterId r:id="rId8"/>
   </p:handoutMasterIdLst>
   <p:sldIdLst>
     <p:sldId id="329" r:id="rId5"/>
+    <p:sldId id="332" r:id="rId6"/>
   </p:sldIdLst>
   <p:sldSz cx="12192000" cy="6858000"/>
   <p:notesSz cx="6858000" cy="9144000"/>
@@ -1178,7 +1179,7 @@
         <a:p>
           <a:r>
             <a:rPr lang="en-US" dirty="0"/>
-            <a:t>Stubs generated on board</a:t>
+            <a:t>Firmware Stubs (generated on MCU)</a:t>
           </a:r>
           <a:endParaRPr lang="nl-NL" dirty="0"/>
         </a:p>
@@ -2298,7 +2299,7 @@
           </a:pPr>
           <a:r>
             <a:rPr lang="en-US" sz="1600" kern="1200" dirty="0"/>
-            <a:t>Stubs generated on board</a:t>
+            <a:t>Firmware Stubs (generated on MCU)</a:t>
           </a:r>
           <a:endParaRPr lang="nl-NL" sz="1600" kern="1200" dirty="0"/>
         </a:p>
@@ -5571,7 +5572,7 @@
           <a:p>
             <a:fld id="{2580A520-BB14-4475-889E-7DE868972C79}" type="datetimeFigureOut">
               <a:rPr lang="en-US" smtClean="0"/>
-              <a:t>10/25/2020</a:t>
+              <a:t>11/7/2020</a:t>
             </a:fld>
             <a:endParaRPr lang="en-US" dirty="0"/>
           </a:p>
@@ -28495,7 +28496,7 @@
           <a:p>
             <a:fld id="{6EBB0E32-0304-4451-ADB8-C044457D5B85}" type="datetimeFigureOut">
               <a:rPr lang="en-US" smtClean="0"/>
-              <a:t>10/25/2020</a:t>
+              <a:t>11/7/2020</a:t>
             </a:fld>
             <a:endParaRPr lang="en-US" dirty="0"/>
           </a:p>
@@ -28824,7 +28825,7 @@
             <a:fld id="{3242F1AE-5065-4B31-8971-BBE1D7D771EC}" type="datetimeFigureOut">
               <a:rPr lang="en-US" smtClean="0"/>
               <a:pPr/>
-              <a:t>10/25/2020</a:t>
+              <a:t>11/7/2020</a:t>
             </a:fld>
             <a:endParaRPr lang="en-US" dirty="0"/>
           </a:p>
@@ -29308,7 +29309,7 @@
           <p:nvPr>
             <p:extLst>
               <p:ext uri="{D42A27DB-BD31-4B8C-83A1-F6EECF244321}">
-                <p14:modId xmlns:p14="http://schemas.microsoft.com/office/powerpoint/2010/main" val="1816981983"/>
+                <p14:modId xmlns:p14="http://schemas.microsoft.com/office/powerpoint/2010/main" val="3508528962"/>
               </p:ext>
             </p:extLst>
           </p:nvPr>
@@ -29626,6 +29627,709 @@
     <p:extLst>
       <p:ext uri="{BB962C8B-B14F-4D97-AF65-F5344CB8AC3E}">
         <p14:creationId xmlns:p14="http://schemas.microsoft.com/office/powerpoint/2010/main" val="2527132769"/>
+      </p:ext>
+    </p:extLst>
+  </p:cSld>
+  <p:clrMapOvr>
+    <a:masterClrMapping/>
+  </p:clrMapOvr>
+</p:sld>
+</file>
+
+<file path=ppt/slides/slide2.xml><?xml version="1.0" encoding="utf-8"?>
+<p:sld xmlns:a="http://schemas.openxmlformats.org/drawingml/2006/main" xmlns:r="http://schemas.openxmlformats.org/officeDocument/2006/relationships" xmlns:p="http://schemas.openxmlformats.org/presentationml/2006/main">
+  <p:cSld>
+    <p:spTree>
+      <p:nvGrpSpPr>
+        <p:cNvPr id="1" name=""/>
+        <p:cNvGrpSpPr/>
+        <p:nvPr/>
+      </p:nvGrpSpPr>
+      <p:grpSpPr>
+        <a:xfrm>
+          <a:off x="0" y="0"/>
+          <a:ext cx="0" cy="0"/>
+          <a:chOff x="0" y="0"/>
+          <a:chExt cx="0" cy="0"/>
+        </a:xfrm>
+      </p:grpSpPr>
+      <p:sp>
+        <p:nvSpPr>
+          <p:cNvPr id="6" name="Flowchart: Process 5">
+            <a:extLst>
+              <a:ext uri="{FF2B5EF4-FFF2-40B4-BE49-F238E27FC236}">
+                <a16:creationId xmlns:a16="http://schemas.microsoft.com/office/drawing/2014/main" id="{7283DD39-523B-4445-B4D7-6199ACD9B6B8}"/>
+              </a:ext>
+            </a:extLst>
+          </p:cNvPr>
+          <p:cNvSpPr/>
+          <p:nvPr/>
+        </p:nvSpPr>
+        <p:spPr>
+          <a:xfrm>
+            <a:off x="1847528" y="692696"/>
+            <a:ext cx="1440160" cy="648072"/>
+          </a:xfrm>
+          <a:prstGeom prst="flowChartProcess">
+            <a:avLst/>
+          </a:prstGeom>
+        </p:spPr>
+        <p:style>
+          <a:lnRef idx="1">
+            <a:schemeClr val="accent6"/>
+          </a:lnRef>
+          <a:fillRef idx="2">
+            <a:schemeClr val="accent6"/>
+          </a:fillRef>
+          <a:effectRef idx="1">
+            <a:schemeClr val="accent6"/>
+          </a:effectRef>
+          <a:fontRef idx="minor">
+            <a:schemeClr val="dk1"/>
+          </a:fontRef>
+        </p:style>
+        <p:txBody>
+          <a:bodyPr rtlCol="0" anchor="ctr"/>
+          <a:lstStyle/>
+          <a:p>
+            <a:pPr algn="ctr"/>
+            <a:r>
+              <a:rPr lang="en-US" dirty="0"/>
+              <a:t>PC</a:t>
+            </a:r>
+            <a:endParaRPr lang="nl-NL" dirty="0"/>
+          </a:p>
+        </p:txBody>
+      </p:sp>
+      <p:sp>
+        <p:nvSpPr>
+          <p:cNvPr id="7" name="Flowchart: Predefined Process 6">
+            <a:extLst>
+              <a:ext uri="{FF2B5EF4-FFF2-40B4-BE49-F238E27FC236}">
+                <a16:creationId xmlns:a16="http://schemas.microsoft.com/office/drawing/2014/main" id="{C013AD94-EBE0-4C56-B8EB-95C320912198}"/>
+              </a:ext>
+            </a:extLst>
+          </p:cNvPr>
+          <p:cNvSpPr/>
+          <p:nvPr/>
+        </p:nvSpPr>
+        <p:spPr>
+          <a:xfrm>
+            <a:off x="6600056" y="2276872"/>
+            <a:ext cx="2204315" cy="559292"/>
+          </a:xfrm>
+          <a:prstGeom prst="flowChartPredefinedProcess">
+            <a:avLst/>
+          </a:prstGeom>
+        </p:spPr>
+        <p:style>
+          <a:lnRef idx="2">
+            <a:schemeClr val="accent1">
+              <a:shade val="50000"/>
+            </a:schemeClr>
+          </a:lnRef>
+          <a:fillRef idx="1">
+            <a:schemeClr val="accent1"/>
+          </a:fillRef>
+          <a:effectRef idx="0">
+            <a:schemeClr val="accent1"/>
+          </a:effectRef>
+          <a:fontRef idx="minor">
+            <a:schemeClr val="lt1"/>
+          </a:fontRef>
+        </p:style>
+        <p:txBody>
+          <a:bodyPr rtlCol="0" anchor="ctr"/>
+          <a:lstStyle/>
+          <a:p>
+            <a:pPr algn="ctr"/>
+            <a:r>
+              <a:rPr lang="en-US" dirty="0"/>
+              <a:t>createstubs.py</a:t>
+            </a:r>
+            <a:endParaRPr lang="nl-NL" dirty="0"/>
+          </a:p>
+        </p:txBody>
+      </p:sp>
+      <p:sp>
+        <p:nvSpPr>
+          <p:cNvPr id="9" name="Flowchart: Process 8">
+            <a:extLst>
+              <a:ext uri="{FF2B5EF4-FFF2-40B4-BE49-F238E27FC236}">
+                <a16:creationId xmlns:a16="http://schemas.microsoft.com/office/drawing/2014/main" id="{0901884D-40D0-4212-8466-8F029ACDD4E3}"/>
+              </a:ext>
+            </a:extLst>
+          </p:cNvPr>
+          <p:cNvSpPr/>
+          <p:nvPr/>
+        </p:nvSpPr>
+        <p:spPr>
+          <a:xfrm>
+            <a:off x="5591944" y="692696"/>
+            <a:ext cx="1440160" cy="648072"/>
+          </a:xfrm>
+          <a:prstGeom prst="flowChartProcess">
+            <a:avLst/>
+          </a:prstGeom>
+        </p:spPr>
+        <p:style>
+          <a:lnRef idx="1">
+            <a:schemeClr val="accent4"/>
+          </a:lnRef>
+          <a:fillRef idx="2">
+            <a:schemeClr val="accent4"/>
+          </a:fillRef>
+          <a:effectRef idx="1">
+            <a:schemeClr val="accent4"/>
+          </a:effectRef>
+          <a:fontRef idx="minor">
+            <a:schemeClr val="dk1"/>
+          </a:fontRef>
+        </p:style>
+        <p:txBody>
+          <a:bodyPr rtlCol="0" anchor="ctr"/>
+          <a:lstStyle/>
+          <a:p>
+            <a:pPr algn="ctr"/>
+            <a:r>
+              <a:rPr lang="en-US" dirty="0"/>
+              <a:t>MCU</a:t>
+            </a:r>
+            <a:endParaRPr lang="nl-NL" dirty="0"/>
+          </a:p>
+        </p:txBody>
+      </p:sp>
+      <p:sp>
+        <p:nvSpPr>
+          <p:cNvPr id="12" name="Flowchart: Process 11">
+            <a:extLst>
+              <a:ext uri="{FF2B5EF4-FFF2-40B4-BE49-F238E27FC236}">
+                <a16:creationId xmlns:a16="http://schemas.microsoft.com/office/drawing/2014/main" id="{E6A04715-AF1B-4DA2-8503-14A619E7B2F1}"/>
+              </a:ext>
+            </a:extLst>
+          </p:cNvPr>
+          <p:cNvSpPr/>
+          <p:nvPr/>
+        </p:nvSpPr>
+        <p:spPr>
+          <a:xfrm>
+            <a:off x="1847528" y="4653136"/>
+            <a:ext cx="1440160" cy="648072"/>
+          </a:xfrm>
+          <a:prstGeom prst="flowChartProcess">
+            <a:avLst/>
+          </a:prstGeom>
+        </p:spPr>
+        <p:style>
+          <a:lnRef idx="1">
+            <a:schemeClr val="accent6"/>
+          </a:lnRef>
+          <a:fillRef idx="2">
+            <a:schemeClr val="accent6"/>
+          </a:fillRef>
+          <a:effectRef idx="1">
+            <a:schemeClr val="accent6"/>
+          </a:effectRef>
+          <a:fontRef idx="minor">
+            <a:schemeClr val="dk1"/>
+          </a:fontRef>
+        </p:style>
+        <p:txBody>
+          <a:bodyPr rtlCol="0" anchor="ctr"/>
+          <a:lstStyle/>
+          <a:p>
+            <a:pPr algn="ctr"/>
+            <a:r>
+              <a:rPr lang="en-US" dirty="0"/>
+              <a:t>PC</a:t>
+            </a:r>
+            <a:endParaRPr lang="nl-NL" dirty="0"/>
+          </a:p>
+        </p:txBody>
+      </p:sp>
+      <p:sp>
+        <p:nvSpPr>
+          <p:cNvPr id="13" name="Flowchart: Process 12">
+            <a:extLst>
+              <a:ext uri="{FF2B5EF4-FFF2-40B4-BE49-F238E27FC236}">
+                <a16:creationId xmlns:a16="http://schemas.microsoft.com/office/drawing/2014/main" id="{CD4E60D2-268D-409F-91C2-DA5BD9082A89}"/>
+              </a:ext>
+            </a:extLst>
+          </p:cNvPr>
+          <p:cNvSpPr/>
+          <p:nvPr/>
+        </p:nvSpPr>
+        <p:spPr>
+          <a:xfrm>
+            <a:off x="5591944" y="4653136"/>
+            <a:ext cx="1440160" cy="648072"/>
+          </a:xfrm>
+          <a:prstGeom prst="flowChartProcess">
+            <a:avLst/>
+          </a:prstGeom>
+        </p:spPr>
+        <p:style>
+          <a:lnRef idx="1">
+            <a:schemeClr val="accent4"/>
+          </a:lnRef>
+          <a:fillRef idx="2">
+            <a:schemeClr val="accent4"/>
+          </a:fillRef>
+          <a:effectRef idx="1">
+            <a:schemeClr val="accent4"/>
+          </a:effectRef>
+          <a:fontRef idx="minor">
+            <a:schemeClr val="dk1"/>
+          </a:fontRef>
+        </p:style>
+        <p:txBody>
+          <a:bodyPr rtlCol="0" anchor="ctr"/>
+          <a:lstStyle/>
+          <a:p>
+            <a:pPr algn="ctr"/>
+            <a:r>
+              <a:rPr lang="en-US" dirty="0"/>
+              <a:t>MCU</a:t>
+            </a:r>
+            <a:endParaRPr lang="nl-NL" dirty="0"/>
+          </a:p>
+        </p:txBody>
+      </p:sp>
+      <p:cxnSp>
+        <p:nvCxnSpPr>
+          <p:cNvPr id="15" name="Straight Connector 14">
+            <a:extLst>
+              <a:ext uri="{FF2B5EF4-FFF2-40B4-BE49-F238E27FC236}">
+                <a16:creationId xmlns:a16="http://schemas.microsoft.com/office/drawing/2014/main" id="{C13E6099-8F26-4CEF-9267-AB6252FF3FE1}"/>
+              </a:ext>
+            </a:extLst>
+          </p:cNvPr>
+          <p:cNvCxnSpPr>
+            <a:stCxn id="6" idx="2"/>
+            <a:endCxn id="12" idx="0"/>
+          </p:cNvCxnSpPr>
+          <p:nvPr/>
+        </p:nvCxnSpPr>
+        <p:spPr>
+          <a:xfrm>
+            <a:off x="2567608" y="1340768"/>
+            <a:ext cx="0" cy="3312368"/>
+          </a:xfrm>
+          <a:prstGeom prst="line">
+            <a:avLst/>
+          </a:prstGeom>
+        </p:spPr>
+        <p:style>
+          <a:lnRef idx="1">
+            <a:schemeClr val="accent1"/>
+          </a:lnRef>
+          <a:fillRef idx="0">
+            <a:schemeClr val="accent1"/>
+          </a:fillRef>
+          <a:effectRef idx="0">
+            <a:schemeClr val="accent1"/>
+          </a:effectRef>
+          <a:fontRef idx="minor">
+            <a:schemeClr val="tx1"/>
+          </a:fontRef>
+        </p:style>
+      </p:cxnSp>
+      <p:cxnSp>
+        <p:nvCxnSpPr>
+          <p:cNvPr id="17" name="Straight Connector 16">
+            <a:extLst>
+              <a:ext uri="{FF2B5EF4-FFF2-40B4-BE49-F238E27FC236}">
+                <a16:creationId xmlns:a16="http://schemas.microsoft.com/office/drawing/2014/main" id="{94289A1A-726C-4E28-99BC-DB90DD519431}"/>
+              </a:ext>
+            </a:extLst>
+          </p:cNvPr>
+          <p:cNvCxnSpPr>
+            <a:cxnSpLocks/>
+            <a:stCxn id="9" idx="2"/>
+            <a:endCxn id="13" idx="0"/>
+          </p:cNvCxnSpPr>
+          <p:nvPr/>
+        </p:nvCxnSpPr>
+        <p:spPr>
+          <a:xfrm>
+            <a:off x="6312024" y="1340768"/>
+            <a:ext cx="0" cy="3312368"/>
+          </a:xfrm>
+          <a:prstGeom prst="line">
+            <a:avLst/>
+          </a:prstGeom>
+        </p:spPr>
+        <p:style>
+          <a:lnRef idx="1">
+            <a:schemeClr val="accent1"/>
+          </a:lnRef>
+          <a:fillRef idx="0">
+            <a:schemeClr val="accent1"/>
+          </a:fillRef>
+          <a:effectRef idx="0">
+            <a:schemeClr val="accent1"/>
+          </a:effectRef>
+          <a:fontRef idx="minor">
+            <a:schemeClr val="tx1"/>
+          </a:fontRef>
+        </p:style>
+      </p:cxnSp>
+      <p:cxnSp>
+        <p:nvCxnSpPr>
+          <p:cNvPr id="21" name="Straight Arrow Connector 20">
+            <a:extLst>
+              <a:ext uri="{FF2B5EF4-FFF2-40B4-BE49-F238E27FC236}">
+                <a16:creationId xmlns:a16="http://schemas.microsoft.com/office/drawing/2014/main" id="{2AF8E627-E03B-4CB0-97D1-35A6C6FE56CF}"/>
+              </a:ext>
+            </a:extLst>
+          </p:cNvPr>
+          <p:cNvCxnSpPr/>
+          <p:nvPr/>
+        </p:nvCxnSpPr>
+        <p:spPr>
+          <a:xfrm>
+            <a:off x="2567608" y="1916832"/>
+            <a:ext cx="3744416" cy="0"/>
+          </a:xfrm>
+          <a:prstGeom prst="straightConnector1">
+            <a:avLst/>
+          </a:prstGeom>
+          <a:ln>
+            <a:tailEnd type="triangle"/>
+          </a:ln>
+        </p:spPr>
+        <p:style>
+          <a:lnRef idx="3">
+            <a:schemeClr val="accent1"/>
+          </a:lnRef>
+          <a:fillRef idx="0">
+            <a:schemeClr val="accent1"/>
+          </a:fillRef>
+          <a:effectRef idx="2">
+            <a:schemeClr val="accent1"/>
+          </a:effectRef>
+          <a:fontRef idx="minor">
+            <a:schemeClr val="tx1"/>
+          </a:fontRef>
+        </p:style>
+      </p:cxnSp>
+      <p:sp>
+        <p:nvSpPr>
+          <p:cNvPr id="22" name="TextBox 21">
+            <a:extLst>
+              <a:ext uri="{FF2B5EF4-FFF2-40B4-BE49-F238E27FC236}">
+                <a16:creationId xmlns:a16="http://schemas.microsoft.com/office/drawing/2014/main" id="{B33A378D-1290-4200-8E6C-C37B544F7076}"/>
+              </a:ext>
+            </a:extLst>
+          </p:cNvPr>
+          <p:cNvSpPr txBox="1"/>
+          <p:nvPr/>
+        </p:nvSpPr>
+        <p:spPr>
+          <a:xfrm>
+            <a:off x="3370841" y="1505300"/>
+            <a:ext cx="2281715" cy="369332"/>
+          </a:xfrm>
+          <a:prstGeom prst="rect">
+            <a:avLst/>
+          </a:prstGeom>
+          <a:noFill/>
+        </p:spPr>
+        <p:txBody>
+          <a:bodyPr wrap="none" rtlCol="0">
+            <a:spAutoFit/>
+          </a:bodyPr>
+          <a:lstStyle/>
+          <a:p>
+            <a:r>
+              <a:rPr lang="en-US" dirty="0"/>
+              <a:t>Upload createstubs.py</a:t>
+            </a:r>
+            <a:endParaRPr lang="nl-NL" dirty="0"/>
+          </a:p>
+        </p:txBody>
+      </p:sp>
+      <p:sp>
+        <p:nvSpPr>
+          <p:cNvPr id="23" name="Flowchart: Multidocument 22">
+            <a:extLst>
+              <a:ext uri="{FF2B5EF4-FFF2-40B4-BE49-F238E27FC236}">
+                <a16:creationId xmlns:a16="http://schemas.microsoft.com/office/drawing/2014/main" id="{307AECE1-AD1F-4563-9061-51789E817159}"/>
+              </a:ext>
+            </a:extLst>
+          </p:cNvPr>
+          <p:cNvSpPr/>
+          <p:nvPr/>
+        </p:nvSpPr>
+        <p:spPr>
+          <a:xfrm>
+            <a:off x="6600056" y="3140968"/>
+            <a:ext cx="1944212" cy="648072"/>
+          </a:xfrm>
+          <a:prstGeom prst="flowChartMultidocument">
+            <a:avLst/>
+          </a:prstGeom>
+        </p:spPr>
+        <p:style>
+          <a:lnRef idx="2">
+            <a:schemeClr val="accent1">
+              <a:shade val="50000"/>
+            </a:schemeClr>
+          </a:lnRef>
+          <a:fillRef idx="1">
+            <a:schemeClr val="accent1"/>
+          </a:fillRef>
+          <a:effectRef idx="0">
+            <a:schemeClr val="accent1"/>
+          </a:effectRef>
+          <a:fontRef idx="minor">
+            <a:schemeClr val="lt1"/>
+          </a:fontRef>
+        </p:style>
+        <p:txBody>
+          <a:bodyPr rtlCol="0" anchor="ctr"/>
+          <a:lstStyle/>
+          <a:p>
+            <a:pPr algn="ctr"/>
+            <a:r>
+              <a:rPr lang="en-US" dirty="0"/>
+              <a:t>stubs/files</a:t>
+            </a:r>
+            <a:endParaRPr lang="nl-NL" dirty="0"/>
+          </a:p>
+        </p:txBody>
+      </p:sp>
+      <p:cxnSp>
+        <p:nvCxnSpPr>
+          <p:cNvPr id="25" name="Straight Arrow Connector 24">
+            <a:extLst>
+              <a:ext uri="{FF2B5EF4-FFF2-40B4-BE49-F238E27FC236}">
+                <a16:creationId xmlns:a16="http://schemas.microsoft.com/office/drawing/2014/main" id="{64548088-A36F-4F74-81EE-94D957B1C58B}"/>
+              </a:ext>
+            </a:extLst>
+          </p:cNvPr>
+          <p:cNvCxnSpPr>
+            <a:cxnSpLocks/>
+          </p:cNvCxnSpPr>
+          <p:nvPr/>
+        </p:nvCxnSpPr>
+        <p:spPr>
+          <a:xfrm>
+            <a:off x="2567608" y="2528900"/>
+            <a:ext cx="3744416" cy="0"/>
+          </a:xfrm>
+          <a:prstGeom prst="straightConnector1">
+            <a:avLst/>
+          </a:prstGeom>
+          <a:ln>
+            <a:tailEnd type="triangle"/>
+          </a:ln>
+        </p:spPr>
+        <p:style>
+          <a:lnRef idx="3">
+            <a:schemeClr val="accent1"/>
+          </a:lnRef>
+          <a:fillRef idx="0">
+            <a:schemeClr val="accent1"/>
+          </a:fillRef>
+          <a:effectRef idx="2">
+            <a:schemeClr val="accent1"/>
+          </a:effectRef>
+          <a:fontRef idx="minor">
+            <a:schemeClr val="tx1"/>
+          </a:fontRef>
+        </p:style>
+      </p:cxnSp>
+      <p:sp>
+        <p:nvSpPr>
+          <p:cNvPr id="27" name="TextBox 26">
+            <a:extLst>
+              <a:ext uri="{FF2B5EF4-FFF2-40B4-BE49-F238E27FC236}">
+                <a16:creationId xmlns:a16="http://schemas.microsoft.com/office/drawing/2014/main" id="{F16BDADA-511B-41B4-8BA6-C9CA9A713C9E}"/>
+              </a:ext>
+            </a:extLst>
+          </p:cNvPr>
+          <p:cNvSpPr txBox="1"/>
+          <p:nvPr/>
+        </p:nvSpPr>
+        <p:spPr>
+          <a:xfrm>
+            <a:off x="3032274" y="2142796"/>
+            <a:ext cx="2919710" cy="369332"/>
+          </a:xfrm>
+          <a:prstGeom prst="rect">
+            <a:avLst/>
+          </a:prstGeom>
+          <a:noFill/>
+        </p:spPr>
+        <p:txBody>
+          <a:bodyPr wrap="none" rtlCol="0">
+            <a:spAutoFit/>
+          </a:bodyPr>
+          <a:lstStyle/>
+          <a:p>
+            <a:r>
+              <a:rPr lang="en-US" dirty="0"/>
+              <a:t>Run or import createstubs.py</a:t>
+            </a:r>
+            <a:endParaRPr lang="nl-NL" dirty="0"/>
+          </a:p>
+        </p:txBody>
+      </p:sp>
+      <p:cxnSp>
+        <p:nvCxnSpPr>
+          <p:cNvPr id="29" name="Straight Arrow Connector 28">
+            <a:extLst>
+              <a:ext uri="{FF2B5EF4-FFF2-40B4-BE49-F238E27FC236}">
+                <a16:creationId xmlns:a16="http://schemas.microsoft.com/office/drawing/2014/main" id="{C0C779D8-1789-44D4-B07D-601EA4A92CA7}"/>
+              </a:ext>
+            </a:extLst>
+          </p:cNvPr>
+          <p:cNvCxnSpPr>
+            <a:cxnSpLocks/>
+            <a:stCxn id="7" idx="2"/>
+            <a:endCxn id="23" idx="0"/>
+          </p:cNvCxnSpPr>
+          <p:nvPr/>
+        </p:nvCxnSpPr>
+        <p:spPr>
+          <a:xfrm>
+            <a:off x="7702214" y="2836164"/>
+            <a:ext cx="3703" cy="304804"/>
+          </a:xfrm>
+          <a:prstGeom prst="straightConnector1">
+            <a:avLst/>
+          </a:prstGeom>
+          <a:ln>
+            <a:tailEnd type="triangle"/>
+          </a:ln>
+        </p:spPr>
+        <p:style>
+          <a:lnRef idx="3">
+            <a:schemeClr val="accent1"/>
+          </a:lnRef>
+          <a:fillRef idx="0">
+            <a:schemeClr val="accent1"/>
+          </a:fillRef>
+          <a:effectRef idx="2">
+            <a:schemeClr val="accent1"/>
+          </a:effectRef>
+          <a:fontRef idx="minor">
+            <a:schemeClr val="tx1"/>
+          </a:fontRef>
+        </p:style>
+      </p:cxnSp>
+      <p:cxnSp>
+        <p:nvCxnSpPr>
+          <p:cNvPr id="33" name="Straight Arrow Connector 32">
+            <a:extLst>
+              <a:ext uri="{FF2B5EF4-FFF2-40B4-BE49-F238E27FC236}">
+                <a16:creationId xmlns:a16="http://schemas.microsoft.com/office/drawing/2014/main" id="{901F34AF-E2AF-4066-A813-4EE3E63FFC86}"/>
+              </a:ext>
+            </a:extLst>
+          </p:cNvPr>
+          <p:cNvCxnSpPr>
+            <a:cxnSpLocks/>
+          </p:cNvCxnSpPr>
+          <p:nvPr/>
+        </p:nvCxnSpPr>
+        <p:spPr>
+          <a:xfrm flipH="1">
+            <a:off x="2567608" y="3825043"/>
+            <a:ext cx="3744416" cy="1"/>
+          </a:xfrm>
+          <a:prstGeom prst="straightConnector1">
+            <a:avLst/>
+          </a:prstGeom>
+          <a:ln>
+            <a:tailEnd type="triangle"/>
+          </a:ln>
+        </p:spPr>
+        <p:style>
+          <a:lnRef idx="3">
+            <a:schemeClr val="accent1"/>
+          </a:lnRef>
+          <a:fillRef idx="0">
+            <a:schemeClr val="accent1"/>
+          </a:fillRef>
+          <a:effectRef idx="2">
+            <a:schemeClr val="accent1"/>
+          </a:effectRef>
+          <a:fontRef idx="minor">
+            <a:schemeClr val="tx1"/>
+          </a:fontRef>
+        </p:style>
+      </p:cxnSp>
+      <p:sp>
+        <p:nvSpPr>
+          <p:cNvPr id="38" name="TextBox 37">
+            <a:extLst>
+              <a:ext uri="{FF2B5EF4-FFF2-40B4-BE49-F238E27FC236}">
+                <a16:creationId xmlns:a16="http://schemas.microsoft.com/office/drawing/2014/main" id="{1C5E4937-A2A5-4223-A4BD-0CC7C93F7DE0}"/>
+              </a:ext>
+            </a:extLst>
+          </p:cNvPr>
+          <p:cNvSpPr txBox="1"/>
+          <p:nvPr/>
+        </p:nvSpPr>
+        <p:spPr>
+          <a:xfrm>
+            <a:off x="3146531" y="3429000"/>
+            <a:ext cx="2445413" cy="369332"/>
+          </a:xfrm>
+          <a:prstGeom prst="rect">
+            <a:avLst/>
+          </a:prstGeom>
+          <a:noFill/>
+        </p:spPr>
+        <p:txBody>
+          <a:bodyPr wrap="none" rtlCol="0">
+            <a:spAutoFit/>
+          </a:bodyPr>
+          <a:lstStyle/>
+          <a:p>
+            <a:r>
+              <a:rPr lang="en-US" dirty="0"/>
+              <a:t>Download folder ./stubs</a:t>
+            </a:r>
+            <a:endParaRPr lang="nl-NL" dirty="0"/>
+          </a:p>
+        </p:txBody>
+      </p:sp>
+      <p:pic>
+        <p:nvPicPr>
+          <p:cNvPr id="40" name="Picture 39" descr="A picture containing drawing&#10;&#10;Description automatically generated">
+            <a:extLst>
+              <a:ext uri="{FF2B5EF4-FFF2-40B4-BE49-F238E27FC236}">
+                <a16:creationId xmlns:a16="http://schemas.microsoft.com/office/drawing/2014/main" id="{7931BAAA-811D-48F4-BA59-1D77E06A4B09}"/>
+              </a:ext>
+            </a:extLst>
+          </p:cNvPr>
+          <p:cNvPicPr>
+            <a:picLocks noChangeAspect="1"/>
+          </p:cNvPicPr>
+          <p:nvPr/>
+        </p:nvPicPr>
+        <p:blipFill>
+          <a:blip r:embed="rId2"/>
+          <a:stretch>
+            <a:fillRect/>
+          </a:stretch>
+        </p:blipFill>
+        <p:spPr>
+          <a:xfrm>
+            <a:off x="6528048" y="387892"/>
+            <a:ext cx="702583" cy="648072"/>
+          </a:xfrm>
+          <a:prstGeom prst="rect">
+            <a:avLst/>
+          </a:prstGeom>
+        </p:spPr>
+      </p:pic>
+    </p:spTree>
+    <p:extLst>
+      <p:ext uri="{BB962C8B-B14F-4D97-AF65-F5344CB8AC3E}">
+        <p14:creationId xmlns:p14="http://schemas.microsoft.com/office/powerpoint/2010/main" val="823199174"/>
       </p:ext>
     </p:extLst>
   </p:cSld>
@@ -30475,23 +31179,6 @@
 </file>
 
 <file path=customXml/item1.xml><?xml version="1.0" encoding="utf-8"?>
-<p:properties xmlns:p="http://schemas.microsoft.com/office/2006/metadata/properties" xmlns:xsi="http://www.w3.org/2001/XMLSchema-instance" xmlns:pc="http://schemas.microsoft.com/office/infopath/2007/PartnerControls">
-  <documentManagement>
-    <MediaServiceKeyPoints xmlns="71af3243-3dd4-4a8d-8c0d-dd76da1f02a5" xsi:nil="true"/>
-  </documentManagement>
-</p:properties>
-</file>
-
-<file path=customXml/item2.xml><?xml version="1.0" encoding="utf-8"?>
-<?mso-contentType ?>
-<FormTemplates xmlns="http://schemas.microsoft.com/sharepoint/v3/contenttype/forms">
-  <Display>DocumentLibraryForm</Display>
-  <Edit>DocumentLibraryForm</Edit>
-  <New>DocumentLibraryForm</New>
-</FormTemplates>
-</file>
-
-<file path=customXml/item3.xml><?xml version="1.0" encoding="utf-8"?>
 <ct:contentTypeSchema xmlns:ct="http://schemas.microsoft.com/office/2006/metadata/contentType" xmlns:ma="http://schemas.microsoft.com/office/2006/metadata/properties/metaAttributes" ct:_="" ma:_="" ma:contentTypeName="Document" ma:contentTypeID="0x01010079F111ED35F8CC479449609E8A0923A6" ma:contentTypeVersion="11" ma:contentTypeDescription="Create a new document." ma:contentTypeScope="" ma:versionID="96291512c1ee715ab617f4c07df79fc1">
   <xsd:schema xmlns:xsd="http://www.w3.org/2001/XMLSchema" xmlns:xs="http://www.w3.org/2001/XMLSchema" xmlns:p="http://schemas.microsoft.com/office/2006/metadata/properties" xmlns:ns2="71af3243-3dd4-4a8d-8c0d-dd76da1f02a5" xmlns:ns3="16c05727-aa75-4e4a-9b5f-8a80a1165891" targetNamespace="http://schemas.microsoft.com/office/2006/metadata/properties" ma:root="true" ma:fieldsID="8256c27c40ca5c40ce1cf6c44f0205df" ns2:_="" ns3:_="">
     <xsd:import namespace="71af3243-3dd4-4a8d-8c0d-dd76da1f02a5"/>
@@ -30702,25 +31389,24 @@
 </ct:contentTypeSchema>
 </file>
 
-<file path=customXml/itemProps1.xml><?xml version="1.0" encoding="utf-8"?>
-<ds:datastoreItem xmlns:ds="http://schemas.openxmlformats.org/officeDocument/2006/customXml" ds:itemID="{D00BE423-975A-4585-AD1F-6C44A3B86F03}">
-  <ds:schemaRefs>
-    <ds:schemaRef ds:uri="http://schemas.microsoft.com/office/2006/metadata/properties"/>
-    <ds:schemaRef ds:uri="http://schemas.microsoft.com/office/infopath/2007/PartnerControls"/>
-    <ds:schemaRef ds:uri="71af3243-3dd4-4a8d-8c0d-dd76da1f02a5"/>
-  </ds:schemaRefs>
-</ds:datastoreItem>
+<file path=customXml/item2.xml><?xml version="1.0" encoding="utf-8"?>
+<?mso-contentType ?>
+<FormTemplates xmlns="http://schemas.microsoft.com/sharepoint/v3/contenttype/forms">
+  <Display>DocumentLibraryForm</Display>
+  <Edit>DocumentLibraryForm</Edit>
+  <New>DocumentLibraryForm</New>
+</FormTemplates>
 </file>
 
-<file path=customXml/itemProps2.xml><?xml version="1.0" encoding="utf-8"?>
-<ds:datastoreItem xmlns:ds="http://schemas.openxmlformats.org/officeDocument/2006/customXml" ds:itemID="{F40E8D33-AA51-49D1-BCBB-B259B4D6ABB4}">
-  <ds:schemaRefs>
-    <ds:schemaRef ds:uri="http://schemas.microsoft.com/sharepoint/v3/contenttype/forms"/>
-  </ds:schemaRefs>
-</ds:datastoreItem>
+<file path=customXml/item3.xml><?xml version="1.0" encoding="utf-8"?>
+<p:properties xmlns:p="http://schemas.microsoft.com/office/2006/metadata/properties" xmlns:xsi="http://www.w3.org/2001/XMLSchema-instance" xmlns:pc="http://schemas.microsoft.com/office/infopath/2007/PartnerControls">
+  <documentManagement>
+    <MediaServiceKeyPoints xmlns="71af3243-3dd4-4a8d-8c0d-dd76da1f02a5" xsi:nil="true"/>
+  </documentManagement>
+</p:properties>
 </file>
 
-<file path=customXml/itemProps3.xml><?xml version="1.0" encoding="utf-8"?>
+<file path=customXml/itemProps1.xml><?xml version="1.0" encoding="utf-8"?>
 <ds:datastoreItem xmlns:ds="http://schemas.openxmlformats.org/officeDocument/2006/customXml" ds:itemID="{B074EE66-DBE2-4060-9A25-981CC5E311B8}">
   <ds:schemaRefs>
     <ds:schemaRef ds:uri="http://schemas.microsoft.com/office/2006/metadata/contentType"/>
@@ -30739,6 +31425,31 @@
 </ds:datastoreItem>
 </file>
 
+<file path=customXml/itemProps2.xml><?xml version="1.0" encoding="utf-8"?>
+<ds:datastoreItem xmlns:ds="http://schemas.openxmlformats.org/officeDocument/2006/customXml" ds:itemID="{F40E8D33-AA51-49D1-BCBB-B259B4D6ABB4}">
+  <ds:schemaRefs>
+    <ds:schemaRef ds:uri="http://schemas.microsoft.com/sharepoint/v3/contenttype/forms"/>
+  </ds:schemaRefs>
+</ds:datastoreItem>
+</file>
+
+<file path=customXml/itemProps3.xml><?xml version="1.0" encoding="utf-8"?>
+<ds:datastoreItem xmlns:ds="http://schemas.openxmlformats.org/officeDocument/2006/customXml" ds:itemID="{D00BE423-975A-4585-AD1F-6C44A3B86F03}">
+  <ds:schemaRefs>
+    <ds:schemaRef ds:uri="http://schemas.openxmlformats.org/package/2006/metadata/core-properties"/>
+    <ds:schemaRef ds:uri="http://purl.org/dc/dcmitype/"/>
+    <ds:schemaRef ds:uri="http://www.w3.org/XML/1998/namespace"/>
+    <ds:schemaRef ds:uri="71af3243-3dd4-4a8d-8c0d-dd76da1f02a5"/>
+    <ds:schemaRef ds:uri="http://schemas.microsoft.com/office/infopath/2007/PartnerControls"/>
+    <ds:schemaRef ds:uri="http://schemas.microsoft.com/office/2006/documentManagement/types"/>
+    <ds:schemaRef ds:uri="http://schemas.microsoft.com/office/2006/metadata/properties"/>
+    <ds:schemaRef ds:uri="16c05727-aa75-4e4a-9b5f-8a80a1165891"/>
+    <ds:schemaRef ds:uri="http://purl.org/dc/terms/"/>
+    <ds:schemaRef ds:uri="http://purl.org/dc/elements/1.1/"/>
+  </ds:schemaRefs>
+</ds:datastoreItem>
+</file>
+
 <file path=docMetadata/LabelInfo.xml><?xml version="1.0" encoding="utf-8"?>
 <clbl:labelList xmlns:clbl="http://schemas.microsoft.com/office/2020/mipLabelMetadata">
   <clbl:label id="{f42aa342-8706-4288-bd11-ebb85995028c}" enabled="1" method="Standard" siteId="{72f988bf-86f1-41af-91ab-2d7cd011db47}" contentBits="0" removed="0"/>

--- a/docs/diagrams.pptx
+++ b/docs/diagrams.pptx
@@ -5572,7 +5572,7 @@
           <a:p>
             <a:fld id="{2580A520-BB14-4475-889E-7DE868972C79}" type="datetimeFigureOut">
               <a:rPr lang="en-US" smtClean="0"/>
-              <a:t>11/7/2020</a:t>
+              <a:t>12/1/2020</a:t>
             </a:fld>
             <a:endParaRPr lang="en-US" dirty="0"/>
           </a:p>
@@ -28496,7 +28496,7 @@
           <a:p>
             <a:fld id="{6EBB0E32-0304-4451-ADB8-C044457D5B85}" type="datetimeFigureOut">
               <a:rPr lang="en-US" smtClean="0"/>
-              <a:t>11/7/2020</a:t>
+              <a:t>12/1/2020</a:t>
             </a:fld>
             <a:endParaRPr lang="en-US" dirty="0"/>
           </a:p>
@@ -28825,7 +28825,7 @@
             <a:fld id="{3242F1AE-5065-4B31-8971-BBE1D7D771EC}" type="datetimeFigureOut">
               <a:rPr lang="en-US" smtClean="0"/>
               <a:pPr/>
-              <a:t>11/7/2020</a:t>
+              <a:t>12/1/2020</a:t>
             </a:fld>
             <a:endParaRPr lang="en-US" dirty="0"/>
           </a:p>
@@ -29422,7 +29422,7 @@
             </a:r>
             <a:r>
               <a:rPr lang="en-US" dirty="0"/>
-              <a:t> Autocomplete</a:t>
+              <a:t> Python</a:t>
             </a:r>
           </a:p>
         </p:txBody>
@@ -29471,19 +29471,9 @@
             <a:pPr algn="ctr"/>
             <a:r>
               <a:rPr lang="en-US" dirty="0" err="1"/>
-              <a:t>VSCode</a:t>
+              <a:t>PyLance</a:t>
             </a:r>
-            <a:r>
-              <a:rPr lang="en-US" dirty="0"/>
-              <a:t> </a:t>
-            </a:r>
-            <a:br>
-              <a:rPr lang="en-US" dirty="0"/>
-            </a:br>
-            <a:r>
-              <a:rPr lang="en-US" dirty="0"/>
-              <a:t>Analysis</a:t>
-            </a:r>
+            <a:endParaRPr lang="en-US" dirty="0"/>
           </a:p>
         </p:txBody>
       </p:sp>
@@ -31179,6 +31169,14 @@
 </file>
 
 <file path=customXml/item1.xml><?xml version="1.0" encoding="utf-8"?>
+<p:properties xmlns:p="http://schemas.microsoft.com/office/2006/metadata/properties" xmlns:xsi="http://www.w3.org/2001/XMLSchema-instance" xmlns:pc="http://schemas.microsoft.com/office/infopath/2007/PartnerControls">
+  <documentManagement>
+    <MediaServiceKeyPoints xmlns="71af3243-3dd4-4a8d-8c0d-dd76da1f02a5" xsi:nil="true"/>
+  </documentManagement>
+</p:properties>
+</file>
+
+<file path=customXml/item2.xml><?xml version="1.0" encoding="utf-8"?>
 <ct:contentTypeSchema xmlns:ct="http://schemas.microsoft.com/office/2006/metadata/contentType" xmlns:ma="http://schemas.microsoft.com/office/2006/metadata/properties/metaAttributes" ct:_="" ma:_="" ma:contentTypeName="Document" ma:contentTypeID="0x01010079F111ED35F8CC479449609E8A0923A6" ma:contentTypeVersion="11" ma:contentTypeDescription="Create a new document." ma:contentTypeScope="" ma:versionID="96291512c1ee715ab617f4c07df79fc1">
   <xsd:schema xmlns:xsd="http://www.w3.org/2001/XMLSchema" xmlns:xs="http://www.w3.org/2001/XMLSchema" xmlns:p="http://schemas.microsoft.com/office/2006/metadata/properties" xmlns:ns2="71af3243-3dd4-4a8d-8c0d-dd76da1f02a5" xmlns:ns3="16c05727-aa75-4e4a-9b5f-8a80a1165891" targetNamespace="http://schemas.microsoft.com/office/2006/metadata/properties" ma:root="true" ma:fieldsID="8256c27c40ca5c40ce1cf6c44f0205df" ns2:_="" ns3:_="">
     <xsd:import namespace="71af3243-3dd4-4a8d-8c0d-dd76da1f02a5"/>
@@ -31389,7 +31387,7 @@
 </ct:contentTypeSchema>
 </file>
 
-<file path=customXml/item2.xml><?xml version="1.0" encoding="utf-8"?>
+<file path=customXml/item3.xml><?xml version="1.0" encoding="utf-8"?>
 <?mso-contentType ?>
 <FormTemplates xmlns="http://schemas.microsoft.com/sharepoint/v3/contenttype/forms">
   <Display>DocumentLibraryForm</Display>
@@ -31398,15 +31396,24 @@
 </FormTemplates>
 </file>
 
-<file path=customXml/item3.xml><?xml version="1.0" encoding="utf-8"?>
-<p:properties xmlns:p="http://schemas.microsoft.com/office/2006/metadata/properties" xmlns:xsi="http://www.w3.org/2001/XMLSchema-instance" xmlns:pc="http://schemas.microsoft.com/office/infopath/2007/PartnerControls">
-  <documentManagement>
-    <MediaServiceKeyPoints xmlns="71af3243-3dd4-4a8d-8c0d-dd76da1f02a5" xsi:nil="true"/>
-  </documentManagement>
-</p:properties>
+<file path=customXml/itemProps1.xml><?xml version="1.0" encoding="utf-8"?>
+<ds:datastoreItem xmlns:ds="http://schemas.openxmlformats.org/officeDocument/2006/customXml" ds:itemID="{D00BE423-975A-4585-AD1F-6C44A3B86F03}">
+  <ds:schemaRefs>
+    <ds:schemaRef ds:uri="http://schemas.openxmlformats.org/package/2006/metadata/core-properties"/>
+    <ds:schemaRef ds:uri="http://purl.org/dc/dcmitype/"/>
+    <ds:schemaRef ds:uri="http://www.w3.org/XML/1998/namespace"/>
+    <ds:schemaRef ds:uri="71af3243-3dd4-4a8d-8c0d-dd76da1f02a5"/>
+    <ds:schemaRef ds:uri="http://schemas.microsoft.com/office/infopath/2007/PartnerControls"/>
+    <ds:schemaRef ds:uri="http://schemas.microsoft.com/office/2006/documentManagement/types"/>
+    <ds:schemaRef ds:uri="http://schemas.microsoft.com/office/2006/metadata/properties"/>
+    <ds:schemaRef ds:uri="16c05727-aa75-4e4a-9b5f-8a80a1165891"/>
+    <ds:schemaRef ds:uri="http://purl.org/dc/terms/"/>
+    <ds:schemaRef ds:uri="http://purl.org/dc/elements/1.1/"/>
+  </ds:schemaRefs>
+</ds:datastoreItem>
 </file>
 
-<file path=customXml/itemProps1.xml><?xml version="1.0" encoding="utf-8"?>
+<file path=customXml/itemProps2.xml><?xml version="1.0" encoding="utf-8"?>
 <ds:datastoreItem xmlns:ds="http://schemas.openxmlformats.org/officeDocument/2006/customXml" ds:itemID="{B074EE66-DBE2-4060-9A25-981CC5E311B8}">
   <ds:schemaRefs>
     <ds:schemaRef ds:uri="http://schemas.microsoft.com/office/2006/metadata/contentType"/>
@@ -31425,27 +31432,10 @@
 </ds:datastoreItem>
 </file>
 
-<file path=customXml/itemProps2.xml><?xml version="1.0" encoding="utf-8"?>
+<file path=customXml/itemProps3.xml><?xml version="1.0" encoding="utf-8"?>
 <ds:datastoreItem xmlns:ds="http://schemas.openxmlformats.org/officeDocument/2006/customXml" ds:itemID="{F40E8D33-AA51-49D1-BCBB-B259B4D6ABB4}">
   <ds:schemaRefs>
     <ds:schemaRef ds:uri="http://schemas.microsoft.com/sharepoint/v3/contenttype/forms"/>
-  </ds:schemaRefs>
-</ds:datastoreItem>
-</file>
-
-<file path=customXml/itemProps3.xml><?xml version="1.0" encoding="utf-8"?>
-<ds:datastoreItem xmlns:ds="http://schemas.openxmlformats.org/officeDocument/2006/customXml" ds:itemID="{D00BE423-975A-4585-AD1F-6C44A3B86F03}">
-  <ds:schemaRefs>
-    <ds:schemaRef ds:uri="http://schemas.openxmlformats.org/package/2006/metadata/core-properties"/>
-    <ds:schemaRef ds:uri="http://purl.org/dc/dcmitype/"/>
-    <ds:schemaRef ds:uri="http://www.w3.org/XML/1998/namespace"/>
-    <ds:schemaRef ds:uri="71af3243-3dd4-4a8d-8c0d-dd76da1f02a5"/>
-    <ds:schemaRef ds:uri="http://schemas.microsoft.com/office/infopath/2007/PartnerControls"/>
-    <ds:schemaRef ds:uri="http://schemas.microsoft.com/office/2006/documentManagement/types"/>
-    <ds:schemaRef ds:uri="http://schemas.microsoft.com/office/2006/metadata/properties"/>
-    <ds:schemaRef ds:uri="16c05727-aa75-4e4a-9b5f-8a80a1165891"/>
-    <ds:schemaRef ds:uri="http://purl.org/dc/terms/"/>
-    <ds:schemaRef ds:uri="http://purl.org/dc/elements/1.1/"/>
   </ds:schemaRefs>
 </ds:datastoreItem>
 </file>
